--- a/cmsc125/ostep/slides/02.Concurrency/28.Locks.pptx
+++ b/cmsc125/ostep/slides/02.Concurrency/28.Locks.pptx
@@ -269,7 +269,7 @@
           <a:p>
             <a:fld id="{050F0499-AE52-4672-879B-3107B2FC2A9F}" type="datetimeFigureOut">
               <a:rPr lang="ko-KR" altLang="en-US" smtClean="0"/>
-              <a:t>2021-07-21</a:t>
+              <a:t>2021-11-20</a:t>
             </a:fld>
             <a:endParaRPr lang="ko-KR" altLang="en-US"/>
           </a:p>
@@ -1810,7 +1810,7 @@
           <a:p>
             <a:r>
               <a:rPr lang="en-US" altLang="ko-KR" dirty="0"/>
-              <a:t>Controlling Interrupts</a:t>
+              <a:t>Approach 1: Controlling Interrupts</a:t>
             </a:r>
             <a:endParaRPr lang="ko-KR" altLang="en-US" dirty="0"/>
           </a:p>
@@ -1859,7 +1859,29 @@
             </a:r>
             <a:r>
               <a:rPr lang="en-US" altLang="ko-KR" dirty="0"/>
-              <a:t> systems.</a:t>
+              <a:t> systems – examples: </a:t>
+            </a:r>
+            <a:r>
+              <a:rPr lang="en-US" altLang="ko-KR" dirty="0">
+                <a:latin typeface="Courier New" panose="02070309020205020404" pitchFamily="49" charset="0"/>
+                <a:cs typeface="Courier New" panose="02070309020205020404" pitchFamily="49" charset="0"/>
+              </a:rPr>
+              <a:t>STI</a:t>
+            </a:r>
+            <a:r>
+              <a:rPr lang="en-US" altLang="ko-KR" dirty="0"/>
+              <a:t> and </a:t>
+            </a:r>
+            <a:r>
+              <a:rPr lang="en-US" altLang="ko-KR" dirty="0">
+                <a:latin typeface="Courier New" panose="02070309020205020404" pitchFamily="49" charset="0"/>
+                <a:cs typeface="Courier New" panose="02070309020205020404" pitchFamily="49" charset="0"/>
+              </a:rPr>
+              <a:t>CLI</a:t>
+            </a:r>
+            <a:r>
+              <a:rPr lang="en-US" altLang="ko-KR" dirty="0"/>
+              <a:t> instructions in x86</a:t>
             </a:r>
           </a:p>
           <a:p>
@@ -1869,6 +1891,10 @@
             <a:endParaRPr lang="en-US" altLang="ko-KR" dirty="0"/>
           </a:p>
           <a:p>
+            <a:endParaRPr lang="en-US" altLang="ko-KR" dirty="0"/>
+          </a:p>
+          <a:p>
+            <a:pPr lvl="1"/>
             <a:endParaRPr lang="en-US" altLang="ko-KR" dirty="0"/>
           </a:p>
           <a:p>
@@ -1943,7 +1969,7 @@
         </p:nvSpPr>
         <p:spPr>
           <a:xfrm>
-            <a:off x="3863752" y="2420888"/>
+            <a:off x="3863752" y="2579420"/>
             <a:ext cx="4320480" cy="1569660"/>
           </a:xfrm>
           <a:prstGeom prst="rect">
@@ -2203,7 +2229,7 @@
           <a:p>
             <a:r>
               <a:rPr lang="en-US" altLang="ko-KR" dirty="0"/>
-              <a:t>Why hardware support needed?</a:t>
+              <a:t>Why hardware support is needed?</a:t>
             </a:r>
             <a:endParaRPr lang="ko-KR" altLang="en-US" dirty="0"/>
           </a:p>
@@ -2238,14 +2264,14 @@
             </a:r>
             <a:r>
               <a:rPr lang="en-US" altLang="ko-KR" dirty="0"/>
-              <a:t> denoting whether the lock is held or not.</a:t>
+              <a:t> denoting whether the lock is held or not</a:t>
             </a:r>
           </a:p>
           <a:p>
             <a:pPr lvl="1"/>
             <a:r>
               <a:rPr lang="en-US" altLang="ko-KR" dirty="0"/>
-              <a:t>The code below has problems.</a:t>
+              <a:t>The code below has problems</a:t>
             </a:r>
             <a:endParaRPr lang="ko-KR" altLang="en-US" dirty="0"/>
           </a:p>
@@ -3215,7 +3241,7 @@
           <a:p>
             <a:r>
               <a:rPr lang="en-US" altLang="ko-KR" dirty="0"/>
-              <a:t>Why hardware support needed? (Cont.)</a:t>
+              <a:t>Why hardware support is needed? (Cont.)</a:t>
             </a:r>
             <a:endParaRPr lang="ko-KR" altLang="en-US" dirty="0"/>
           </a:p>
@@ -3288,7 +3314,7 @@
             </a:r>
             <a:r>
               <a:rPr lang="en-US" altLang="ko-KR" dirty="0"/>
-              <a:t> wastes time waiting for another thread.</a:t>
+              <a:t> wastes time waiting for another thread</a:t>
             </a:r>
           </a:p>
           <a:p>
@@ -3734,7 +3760,7 @@
           <a:p>
             <a:r>
               <a:rPr lang="en-US" altLang="ko-KR" dirty="0"/>
-              <a:t>Test And Set (Atomic Exchange)</a:t>
+              <a:t>Test-and-Set (Atomic Exchange)</a:t>
             </a:r>
             <a:endParaRPr lang="ko-KR" altLang="en-US" dirty="0"/>
           </a:p>
@@ -3793,10 +3819,7 @@
               </a:rPr>
               <a:t>ptr</a:t>
             </a:r>
-            <a:r>
-              <a:rPr lang="en-US" altLang="ko-KR" dirty="0"/>
-              <a:t>.</a:t>
-            </a:r>
+            <a:endParaRPr lang="en-US" altLang="ko-KR" dirty="0"/>
           </a:p>
           <a:p>
             <a:pPr lvl="1"/>
@@ -3823,10 +3846,7 @@
               </a:rPr>
               <a:t>new</a:t>
             </a:r>
-            <a:r>
-              <a:rPr lang="en-US" altLang="ko-KR" dirty="0"/>
-              <a:t>.</a:t>
-            </a:r>
+            <a:endParaRPr lang="en-US" altLang="ko-KR" dirty="0"/>
           </a:p>
           <a:p>
             <a:pPr lvl="1"/>
@@ -3844,10 +3864,7 @@
               </a:rPr>
               <a:t>performed atomically</a:t>
             </a:r>
-            <a:r>
-              <a:rPr lang="en-US" altLang="ko-KR" dirty="0"/>
-              <a:t>.</a:t>
-            </a:r>
+            <a:endParaRPr lang="en-US" altLang="ko-KR" dirty="0"/>
           </a:p>
           <a:p>
             <a:pPr lvl="1"/>
@@ -4299,7 +4316,19 @@
           <a:p>
             <a:r>
               <a:rPr lang="en-US" altLang="ko-KR" dirty="0"/>
-              <a:t>A Simple Spin Lock using test-and-set</a:t>
+              <a:t>A Simple </a:t>
+            </a:r>
+            <a:r>
+              <a:rPr lang="en-US" altLang="ko-KR" dirty="0">
+                <a:solidFill>
+                  <a:schemeClr val="accent2"/>
+                </a:solidFill>
+              </a:rPr>
+              <a:t>Spin Lock</a:t>
+            </a:r>
+            <a:r>
+              <a:rPr lang="en-US" altLang="ko-KR" dirty="0"/>
+              <a:t> using test-and-set</a:t>
             </a:r>
             <a:endParaRPr lang="ko-KR" altLang="en-US" dirty="0"/>
           </a:p>
@@ -4364,10 +4393,6 @@
             <a:r>
               <a:rPr lang="en-US" altLang="ko-KR" u="sng" dirty="0"/>
               <a:t>a preemptive scheduler</a:t>
-            </a:r>
-            <a:r>
-              <a:rPr lang="en-US" altLang="ko-KR" dirty="0"/>
-              <a:t>.</a:t>
             </a:r>
             <a:endParaRPr lang="ko-KR" altLang="en-US" dirty="0"/>
           </a:p>
@@ -5239,7 +5264,7 @@
             <a:pPr lvl="1"/>
             <a:r>
               <a:rPr lang="en-US" altLang="ko-KR" dirty="0"/>
-              <a:t>The spin lock only allows a single thread to entry the critical section.</a:t>
+              <a:t>The spin lock only allows a single thread to entry the critical section</a:t>
             </a:r>
           </a:p>
           <a:p>
@@ -5268,7 +5293,7 @@
             </a:r>
             <a:r>
               <a:rPr lang="en-US" altLang="ko-KR" dirty="0"/>
-              <a:t> guarantees.</a:t>
+              <a:t> guarantees</a:t>
             </a:r>
           </a:p>
           <a:p>
@@ -5281,10 +5306,7 @@
               <a:rPr lang="en-US" altLang="ko-KR" i="1" dirty="0"/>
               <a:t>forever</a:t>
             </a:r>
-            <a:r>
-              <a:rPr lang="en-US" altLang="ko-KR" dirty="0"/>
-              <a:t>.</a:t>
-            </a:r>
+            <a:endParaRPr lang="en-US" altLang="ko-KR" dirty="0"/>
           </a:p>
           <a:p>
             <a:pPr lvl="1"/>
@@ -5304,16 +5326,13 @@
             <a:pPr lvl="1"/>
             <a:r>
               <a:rPr lang="en-US" altLang="ko-KR" dirty="0"/>
-              <a:t>In the single CPU, performance overheads can be quire </a:t>
+              <a:t>In the single CPU, performance overheads can be quite </a:t>
             </a:r>
             <a:r>
               <a:rPr lang="en-US" altLang="ko-KR" i="1" dirty="0"/>
               <a:t>painful</a:t>
             </a:r>
-            <a:r>
-              <a:rPr lang="en-US" altLang="ko-KR" dirty="0"/>
-              <a:t>.</a:t>
-            </a:r>
+            <a:endParaRPr lang="en-US" altLang="ko-KR" dirty="0"/>
           </a:p>
           <a:p>
             <a:pPr lvl="1"/>
@@ -5324,10 +5343,6 @@
             <a:r>
               <a:rPr lang="en-US" altLang="ko-KR" i="1" dirty="0"/>
               <a:t>reasonably well</a:t>
-            </a:r>
-            <a:r>
-              <a:rPr lang="en-US" altLang="ko-KR" dirty="0"/>
-              <a:t>.</a:t>
             </a:r>
             <a:endParaRPr lang="ko-KR" altLang="en-US" dirty="0"/>
           </a:p>
@@ -5426,10 +5441,7 @@
               </a:rPr>
               <a:t>expected</a:t>
             </a:r>
-            <a:r>
-              <a:rPr lang="en-US" altLang="ko-KR" dirty="0"/>
-              <a:t>.</a:t>
-            </a:r>
+            <a:endParaRPr lang="en-US" altLang="ko-KR" dirty="0"/>
           </a:p>
           <a:p>
             <a:pPr lvl="1"/>
@@ -5489,7 +5501,7 @@
             </a:r>
             <a:r>
               <a:rPr lang="en-US" altLang="ko-KR" dirty="0"/>
-              <a:t> value.</a:t>
+              <a:t> value</a:t>
             </a:r>
           </a:p>
           <a:p>
@@ -5514,7 +5526,7 @@
             </a:r>
             <a:r>
               <a:rPr lang="en-US" altLang="ko-KR" dirty="0"/>
-              <a:t> the actual value at that memory location.</a:t>
+              <a:t> the actual value at that memory location</a:t>
             </a:r>
           </a:p>
         </p:txBody>
@@ -7141,10 +7153,7 @@
               </a:rPr>
               <a:t>value</a:t>
             </a:r>
-            <a:r>
-              <a:rPr lang="en-US" altLang="ko-KR" dirty="0"/>
-              <a:t>.</a:t>
-            </a:r>
+            <a:endParaRPr lang="en-US" altLang="ko-KR" dirty="0"/>
           </a:p>
           <a:p>
             <a:pPr lvl="2"/>
@@ -7173,7 +7182,7 @@
             </a:r>
             <a:r>
               <a:rPr lang="en-US" altLang="ko-KR" dirty="0"/>
-              <a:t> and 0 is returned.</a:t>
+              <a:t> and 0 is returned</a:t>
             </a:r>
             <a:endParaRPr lang="ko-KR" altLang="en-US" dirty="0"/>
           </a:p>
@@ -9228,7 +9237,7 @@
             </a:r>
             <a:r>
               <a:rPr lang="en-US" altLang="ko-KR" dirty="0"/>
-              <a:t>a value while returning the old value at a particular address.</a:t>
+              <a:t>a value while returning the old value at a particular address</a:t>
             </a:r>
           </a:p>
           <a:p>
@@ -9253,7 +9262,7 @@
         </p:nvSpPr>
         <p:spPr>
           <a:xfrm>
-            <a:off x="3516993" y="2060849"/>
+            <a:off x="3516993" y="1844824"/>
             <a:ext cx="5158015" cy="1169551"/>
           </a:xfrm>
           <a:prstGeom prst="rect">
@@ -9575,7 +9584,7 @@
         </p:nvSpPr>
         <p:spPr>
           <a:xfrm>
-            <a:off x="3693200" y="3284985"/>
+            <a:off x="3693200" y="3140968"/>
             <a:ext cx="4779065" cy="307777"/>
           </a:xfrm>
           <a:prstGeom prst="rect">
@@ -9692,16 +9701,13 @@
               <a:rPr lang="en-US" altLang="ko-KR" u="sng" dirty="0"/>
               <a:t>fetch-and add</a:t>
             </a:r>
-            <a:r>
-              <a:rPr lang="en-US" altLang="ko-KR" dirty="0"/>
-              <a:t>.</a:t>
-            </a:r>
+            <a:endParaRPr lang="en-US" altLang="ko-KR" dirty="0"/>
           </a:p>
           <a:p>
             <a:pPr lvl="1"/>
             <a:r>
               <a:rPr lang="en-US" altLang="ko-KR" dirty="0"/>
-              <a:t>Ensure progress for all threads. </a:t>
+              <a:t>Ensure progress for all threads </a:t>
             </a:r>
             <a:r>
               <a:rPr lang="en-US" altLang="ko-KR" dirty="0">
@@ -10634,7 +10640,7 @@
             </a:r>
             <a:r>
               <a:rPr lang="en-US" altLang="ko-KR" dirty="0"/>
-              <a:t> and they work.</a:t>
+              <a:t> and they work</a:t>
             </a:r>
           </a:p>
           <a:p>
@@ -10655,10 +10661,7 @@
               </a:rPr>
               <a:t>inefficient</a:t>
             </a:r>
-            <a:r>
-              <a:rPr lang="en-US" altLang="ko-KR" dirty="0"/>
-              <a:t>.</a:t>
-            </a:r>
+            <a:endParaRPr lang="en-US" altLang="ko-KR" dirty="0"/>
           </a:p>
           <a:p>
             <a:pPr lvl="1"/>
@@ -10897,7 +10900,7 @@
             </a:r>
             <a:r>
               <a:rPr lang="en-US" altLang="ko-KR" dirty="0"/>
-              <a:t>to another thread.</a:t>
+              <a:t>to another thread</a:t>
             </a:r>
           </a:p>
           <a:p>
@@ -10918,10 +10921,7 @@
               <a:rPr lang="en-US" altLang="ko-KR" i="1" dirty="0"/>
               <a:t>ready state</a:t>
             </a:r>
-            <a:r>
-              <a:rPr lang="en-US" altLang="ko-KR" dirty="0"/>
-              <a:t>.</a:t>
-            </a:r>
+            <a:endParaRPr lang="en-US" altLang="ko-KR" dirty="0"/>
           </a:p>
           <a:p>
             <a:pPr lvl="1"/>
@@ -10943,7 +10943,7 @@
             </a:r>
             <a:r>
               <a:rPr lang="en-US" altLang="ko-KR" dirty="0"/>
-              <a:t> problem still exists.</a:t>
+              <a:t> problem still exists</a:t>
             </a:r>
             <a:endParaRPr lang="ko-KR" altLang="en-US" dirty="0"/>
           </a:p>
@@ -11561,7 +11561,7 @@
             </a:r>
             <a:r>
               <a:rPr lang="en-US" altLang="ko-KR" dirty="0"/>
-              <a:t> to enter the lock.</a:t>
+              <a:t> to enter the lock</a:t>
             </a:r>
           </a:p>
           <a:p>
@@ -11623,10 +11623,7 @@
               </a:rPr>
               <a:t>threadID</a:t>
             </a:r>
-            <a:r>
-              <a:rPr lang="en-US" altLang="ko-KR" dirty="0"/>
-              <a:t>.</a:t>
-            </a:r>
+            <a:endParaRPr lang="en-US" altLang="ko-KR" dirty="0"/>
           </a:p>
         </p:txBody>
       </p:sp>
@@ -13485,7 +13482,7 @@
             </a:r>
             <a:r>
               <a:rPr lang="en-US" altLang="ko-KR" dirty="0"/>
-              <a:t>(potentially).</a:t>
+              <a:t>(potentially)</a:t>
             </a:r>
           </a:p>
           <a:p>
@@ -13514,10 +13511,7 @@
               </a:rPr>
               <a:t>()</a:t>
             </a:r>
-            <a:r>
-              <a:rPr lang="en-US" altLang="ko-KR" dirty="0"/>
-              <a:t>.</a:t>
-            </a:r>
+            <a:endParaRPr lang="en-US" altLang="ko-KR" dirty="0"/>
           </a:p>
           <a:p>
             <a:pPr lvl="1"/>
@@ -13540,38 +13534,24 @@
               </a:rPr>
               <a:t>park</a:t>
             </a:r>
-            <a:r>
-              <a:rPr lang="en-US" altLang="ko-KR" dirty="0"/>
-              <a:t>.</a:t>
-            </a:r>
+            <a:endParaRPr lang="en-US" altLang="ko-KR" dirty="0"/>
           </a:p>
           <a:p>
             <a:pPr lvl="1"/>
             <a:r>
               <a:rPr lang="en-US" altLang="ko-KR" dirty="0"/>
               <a:t>If it happens to be interrupted and another thread calls </a:t>
-            </a:r>
-            <a:r>
-              <a:rPr lang="en-US" altLang="ko-KR" dirty="0" err="1">
-                <a:latin typeface="Courier New" panose="02070309020205020404" pitchFamily="49" charset="0"/>
-                <a:cs typeface="Courier New" panose="02070309020205020404" pitchFamily="49" charset="0"/>
-              </a:rPr>
-              <a:t>unpark</a:t>
-            </a:r>
-            <a:r>
-              <a:rPr lang="en-US" altLang="ko-KR" dirty="0"/>
-              <a:t> before </a:t>
             </a:r>
             <a:r>
               <a:rPr lang="en-US" altLang="ko-KR" dirty="0">
                 <a:latin typeface="Courier New" panose="02070309020205020404" pitchFamily="49" charset="0"/>
                 <a:cs typeface="Courier New" panose="02070309020205020404" pitchFamily="49" charset="0"/>
               </a:rPr>
-              <a:t>park</a:t>
-            </a:r>
-            <a:r>
-              <a:rPr lang="en-US" altLang="ko-KR" dirty="0"/>
-              <a:t> is actually called, the subsequent </a:t>
+              <a:t>unpark</a:t>
+            </a:r>
+            <a:r>
+              <a:rPr lang="en-US" altLang="ko-KR" dirty="0"/>
+              <a:t> before </a:t>
             </a:r>
             <a:r>
               <a:rPr lang="en-US" altLang="ko-KR" dirty="0">
@@ -13582,7 +13562,18 @@
             </a:r>
             <a:r>
               <a:rPr lang="en-US" altLang="ko-KR" dirty="0"/>
-              <a:t> returns immediately instead of sleeping.</a:t>
+              <a:t> is actually called, the subsequent </a:t>
+            </a:r>
+            <a:r>
+              <a:rPr lang="en-US" altLang="ko-KR" dirty="0">
+                <a:latin typeface="Courier New" panose="02070309020205020404" pitchFamily="49" charset="0"/>
+                <a:cs typeface="Courier New" panose="02070309020205020404" pitchFamily="49" charset="0"/>
+              </a:rPr>
+              <a:t>park</a:t>
+            </a:r>
+            <a:r>
+              <a:rPr lang="en-US" altLang="ko-KR" dirty="0"/>
+              <a:t> returns immediately instead of sleeping</a:t>
             </a:r>
             <a:endParaRPr lang="ko-KR" altLang="en-US" dirty="0"/>
           </a:p>
@@ -13941,76 +13932,76 @@
               <a:t> and </a:t>
             </a:r>
             <a:r>
-              <a:rPr lang="en-US" altLang="ko-KR" dirty="0" err="1">
-                <a:latin typeface="Courier New" panose="02070309020205020404" pitchFamily="49" charset="0"/>
-                <a:cs typeface="Courier New" panose="02070309020205020404" pitchFamily="49" charset="0"/>
-              </a:rPr>
-              <a:t>unpark</a:t>
-            </a:r>
-            <a:r>
-              <a:rPr lang="en-US" altLang="ko-KR" dirty="0"/>
-              <a:t>).</a:t>
-            </a:r>
-          </a:p>
-          <a:p>
-            <a:pPr lvl="1"/>
-            <a:r>
-              <a:rPr lang="en-US" altLang="ko-KR" dirty="0" err="1">
-                <a:latin typeface="Courier New" pitchFamily="49" charset="0"/>
-                <a:cs typeface="Courier New" pitchFamily="49" charset="0"/>
-              </a:rPr>
-              <a:t>futex_wait</a:t>
-            </a:r>
-            <a:r>
-              <a:rPr lang="en-US" altLang="ko-KR" dirty="0">
-                <a:latin typeface="Courier New" pitchFamily="49" charset="0"/>
-                <a:cs typeface="Courier New" pitchFamily="49" charset="0"/>
-              </a:rPr>
-              <a:t>(address, expected)</a:t>
-            </a:r>
-          </a:p>
-          <a:p>
-            <a:pPr lvl="2"/>
-            <a:r>
-              <a:rPr lang="en-US" altLang="ko-KR" dirty="0">
-                <a:cs typeface="Courier New" pitchFamily="49" charset="0"/>
-              </a:rPr>
-              <a:t>Put the calling thread to sleep</a:t>
-            </a:r>
-          </a:p>
-          <a:p>
-            <a:pPr lvl="2"/>
-            <a:r>
-              <a:rPr lang="en-US" altLang="ko-KR" dirty="0">
-                <a:cs typeface="Courier New" pitchFamily="49" charset="0"/>
-              </a:rPr>
-              <a:t>If the value at </a:t>
-            </a:r>
-            <a:r>
               <a:rPr lang="en-US" altLang="ko-KR" dirty="0">
                 <a:latin typeface="Courier New" panose="02070309020205020404" pitchFamily="49" charset="0"/>
                 <a:cs typeface="Courier New" panose="02070309020205020404" pitchFamily="49" charset="0"/>
               </a:rPr>
-              <a:t>address</a:t>
+              <a:t>unpark</a:t>
+            </a:r>
+            <a:r>
+              <a:rPr lang="en-US" altLang="ko-KR" dirty="0"/>
+              <a:t>)</a:t>
+            </a:r>
+          </a:p>
+          <a:p>
+            <a:pPr lvl="1"/>
+            <a:r>
+              <a:rPr lang="en-US" altLang="ko-KR" dirty="0" err="1">
+                <a:latin typeface="Courier New" pitchFamily="49" charset="0"/>
+                <a:cs typeface="Courier New" pitchFamily="49" charset="0"/>
+              </a:rPr>
+              <a:t>futex_wait</a:t>
             </a:r>
             <a:r>
               <a:rPr lang="en-US" altLang="ko-KR" dirty="0">
-                <a:cs typeface="Courier New" pitchFamily="49" charset="0"/>
-              </a:rPr>
-              <a:t> is not equal to </a:t>
+                <a:latin typeface="Courier New" pitchFamily="49" charset="0"/>
+                <a:cs typeface="Courier New" pitchFamily="49" charset="0"/>
+              </a:rPr>
+              <a:t>(address, expected)</a:t>
+            </a:r>
+          </a:p>
+          <a:p>
+            <a:pPr lvl="2"/>
+            <a:r>
+              <a:rPr lang="en-US" altLang="ko-KR" dirty="0">
+                <a:cs typeface="Courier New" pitchFamily="49" charset="0"/>
+              </a:rPr>
+              <a:t>Put the calling thread to sleep</a:t>
+            </a:r>
+          </a:p>
+          <a:p>
+            <a:pPr lvl="2"/>
+            <a:r>
+              <a:rPr lang="en-US" altLang="ko-KR" dirty="0">
+                <a:cs typeface="Courier New" pitchFamily="49" charset="0"/>
+              </a:rPr>
+              <a:t>If the value at </a:t>
             </a:r>
             <a:r>
               <a:rPr lang="en-US" altLang="ko-KR" dirty="0">
                 <a:latin typeface="Courier New" panose="02070309020205020404" pitchFamily="49" charset="0"/>
                 <a:cs typeface="Courier New" panose="02070309020205020404" pitchFamily="49" charset="0"/>
               </a:rPr>
+              <a:t>address</a:t>
+            </a:r>
+            <a:r>
+              <a:rPr lang="en-US" altLang="ko-KR" dirty="0">
+                <a:cs typeface="Courier New" pitchFamily="49" charset="0"/>
+              </a:rPr>
+              <a:t> is not equal to </a:t>
+            </a:r>
+            <a:r>
+              <a:rPr lang="en-US" altLang="ko-KR" dirty="0">
+                <a:latin typeface="Courier New" panose="02070309020205020404" pitchFamily="49" charset="0"/>
+                <a:cs typeface="Courier New" panose="02070309020205020404" pitchFamily="49" charset="0"/>
+              </a:rPr>
               <a:t>expected</a:t>
             </a:r>
             <a:r>
               <a:rPr lang="en-US" altLang="ko-KR" dirty="0">
                 <a:cs typeface="Courier New" pitchFamily="49" charset="0"/>
               </a:rPr>
-              <a:t>, the call returns immediately.</a:t>
+              <a:t>, the call returns immediately</a:t>
             </a:r>
           </a:p>
           <a:p>
@@ -14036,7 +14027,7 @@
               <a:rPr lang="en-US" altLang="ko-KR" dirty="0">
                 <a:cs typeface="Courier New" pitchFamily="49" charset="0"/>
               </a:rPr>
-              <a:t>Wake one thread that is waiting on the queue.</a:t>
+              <a:t>Wake one thread that is waiting on the queue</a:t>
             </a:r>
           </a:p>
           <a:p>
@@ -16185,7 +16176,7 @@
             </a:r>
             <a:r>
               <a:rPr lang="en-US" altLang="ko-KR" dirty="0"/>
-              <a:t>be released.</a:t>
+              <a:t>be released</a:t>
             </a:r>
           </a:p>
           <a:p>
@@ -16207,7 +16198,7 @@
             </a:r>
             <a:r>
               <a:rPr lang="en-US" altLang="ko-KR" dirty="0"/>
-              <a:t> it can acquire the lock.</a:t>
+              <a:t> it can acquire the lock</a:t>
             </a:r>
           </a:p>
           <a:p>
@@ -16222,7 +16213,7 @@
             </a:r>
             <a:r>
               <a:rPr lang="en-US" altLang="ko-KR" dirty="0"/>
-              <a:t> is entered, </a:t>
+              <a:t> is entered</a:t>
             </a:r>
           </a:p>
           <a:p>
@@ -16236,14 +16227,14 @@
             <a:pPr lvl="2"/>
             <a:r>
               <a:rPr lang="en-US" altLang="ko-KR" dirty="0"/>
-              <a:t>The caller is put to sleep.</a:t>
+              <a:t>The caller is put to sleep</a:t>
             </a:r>
           </a:p>
           <a:p>
             <a:pPr lvl="2"/>
             <a:r>
               <a:rPr lang="en-US" altLang="ko-KR" dirty="0"/>
-              <a:t>The caller is only woken up when the lock becomes free later.</a:t>
+              <a:t>The caller is only woken up when the lock becomes free later</a:t>
             </a:r>
           </a:p>
           <a:p>
@@ -16420,10 +16411,7 @@
               </a:rPr>
               <a:t>a single atomic instruction</a:t>
             </a:r>
-            <a:r>
-              <a:rPr lang="en-US" altLang="ko-KR" dirty="0"/>
-              <a:t>.</a:t>
-            </a:r>
+            <a:endParaRPr lang="en-US" altLang="ko-KR" dirty="0"/>
           </a:p>
           <a:p>
             <a:pPr lvl="1"/>
@@ -16458,7 +16446,7 @@
         </p:nvSpPr>
         <p:spPr>
           <a:xfrm>
-            <a:off x="2554288" y="2420888"/>
+            <a:off x="2554288" y="2204864"/>
             <a:ext cx="5989984" cy="338554"/>
           </a:xfrm>
           <a:prstGeom prst="rect">
@@ -16499,7 +16487,7 @@
         </p:nvSpPr>
         <p:spPr>
           <a:xfrm>
-            <a:off x="2567608" y="3810527"/>
+            <a:off x="2567608" y="3545721"/>
             <a:ext cx="7704856" cy="1323439"/>
           </a:xfrm>
           <a:prstGeom prst="rect">
@@ -16808,7 +16796,7 @@
             </a:r>
             <a:r>
               <a:rPr lang="en-US" altLang="ko-KR" dirty="0"/>
-              <a:t>the lock.</a:t>
+              <a:t>the lock</a:t>
             </a:r>
           </a:p>
           <a:p>
@@ -16842,7 +16830,7 @@
             <a:pPr lvl="2"/>
             <a:r>
               <a:rPr lang="en-US" altLang="ko-KR" dirty="0"/>
-              <a:t>No thread holds the lock.</a:t>
+              <a:t>No thread holds the lock</a:t>
             </a:r>
           </a:p>
           <a:p>
@@ -16880,7 +16868,7 @@
             <a:pPr lvl="2"/>
             <a:r>
               <a:rPr lang="en-US" altLang="ko-KR" dirty="0"/>
-              <a:t>Exactly one thread holds the lock and presumably is in a critical section.</a:t>
+              <a:t>Exactly one thread holds the lock and presumably is in a critical section</a:t>
             </a:r>
           </a:p>
           <a:p>
@@ -16975,7 +16963,7 @@
             </a:r>
             <a:r>
               <a:rPr lang="en-US" altLang="ko-KR" dirty="0"/>
-              <a:t>acquire the lock.</a:t>
+              <a:t>acquire the lock</a:t>
             </a:r>
           </a:p>
           <a:p>
@@ -16998,7 +16986,7 @@
             </a:r>
             <a:r>
               <a:rPr lang="en-US" altLang="ko-KR" dirty="0"/>
-              <a:t> the lock.</a:t>
+              <a:t> the lock</a:t>
             </a:r>
           </a:p>
           <a:p>
@@ -17015,10 +17003,7 @@
               <a:rPr lang="en-US" altLang="ko-KR" i="1" dirty="0"/>
               <a:t>critical section</a:t>
             </a:r>
-            <a:r>
-              <a:rPr lang="en-US" altLang="ko-KR" dirty="0"/>
-              <a:t>.</a:t>
-            </a:r>
+            <a:endParaRPr lang="en-US" altLang="ko-KR" dirty="0"/>
           </a:p>
           <a:p>
             <a:pPr lvl="2"/>
@@ -17032,7 +17017,7 @@
             </a:r>
             <a:r>
               <a:rPr lang="en-US" altLang="ko-KR" dirty="0"/>
-              <a:t> the lock.</a:t>
+              <a:t> the lock</a:t>
             </a:r>
           </a:p>
           <a:p>
@@ -17051,7 +17036,7 @@
             </a:r>
             <a:r>
               <a:rPr lang="en-US" altLang="ko-KR" dirty="0"/>
-              <a:t>entering the critical section while the first thread that holds the lock is in there.</a:t>
+              <a:t>entering the critical section while the first thread that holds the lock is in there</a:t>
             </a:r>
             <a:endParaRPr lang="ko-KR" altLang="en-US" dirty="0"/>
           </a:p>
@@ -17144,10 +17129,7 @@
               <a:rPr lang="en-US" altLang="ko-KR" u="sng" dirty="0"/>
               <a:t>lock</a:t>
             </a:r>
-            <a:r>
-              <a:rPr lang="en-US" altLang="ko-KR" dirty="0"/>
-              <a:t>.</a:t>
-            </a:r>
+            <a:endParaRPr lang="en-US" altLang="ko-KR" dirty="0"/>
           </a:p>
           <a:p>
             <a:pPr lvl="1"/>
@@ -17167,7 +17149,7 @@
             </a:r>
             <a:r>
               <a:rPr lang="en-US" altLang="ko-KR" dirty="0"/>
-              <a:t>between threads.</a:t>
+              <a:t>between threads</a:t>
             </a:r>
           </a:p>
           <a:p>
@@ -17237,7 +17219,7 @@
               <a:rPr lang="en-US" altLang="ko-KR" dirty="0">
                 <a:sym typeface="Wingdings" panose="05000000000000000000" pitchFamily="2" charset="2"/>
               </a:rPr>
-              <a:t> approach).</a:t>
+              <a:t> approach)</a:t>
             </a:r>
             <a:endParaRPr lang="ko-KR" altLang="en-US" dirty="0"/>
           </a:p>
@@ -17554,15 +17536,12 @@
               </a:rPr>
               <a:t>low cost</a:t>
             </a:r>
-            <a:r>
-              <a:rPr lang="en-US" altLang="ko-KR" dirty="0"/>
-              <a:t>.</a:t>
-            </a:r>
-          </a:p>
-          <a:p>
-            <a:r>
-              <a:rPr lang="en-US" altLang="ko-KR" dirty="0"/>
-              <a:t>Building a lock need some help from the </a:t>
+            <a:endParaRPr lang="en-US" altLang="ko-KR" dirty="0"/>
+          </a:p>
+          <a:p>
+            <a:r>
+              <a:rPr lang="en-US" altLang="ko-KR" dirty="0"/>
+              <a:t>Building a lock needs some help from the </a:t>
             </a:r>
             <a:r>
               <a:rPr lang="en-US" altLang="ko-KR" b="1" dirty="0"/>
@@ -17575,10 +17554,6 @@
             <a:r>
               <a:rPr lang="en-US" altLang="ko-KR" b="1" dirty="0"/>
               <a:t>OS</a:t>
-            </a:r>
-            <a:r>
-              <a:rPr lang="en-US" altLang="ko-KR" dirty="0"/>
-              <a:t>.</a:t>
             </a:r>
             <a:endParaRPr lang="ko-KR" altLang="en-US" dirty="0"/>
           </a:p>

--- a/cmsc125/ostep/slides/02.Concurrency/28.Locks.pptx
+++ b/cmsc125/ostep/slides/02.Concurrency/28.Locks.pptx
@@ -269,7 +269,7 @@
           <a:p>
             <a:fld id="{050F0499-AE52-4672-879B-3107B2FC2A9F}" type="datetimeFigureOut">
               <a:rPr lang="ko-KR" altLang="en-US" smtClean="0"/>
-              <a:t>2021-11-20</a:t>
+              <a:t>2021-11-24</a:t>
             </a:fld>
             <a:endParaRPr lang="ko-KR" altLang="en-US"/>
           </a:p>
@@ -1901,11 +1901,14 @@
             <a:pPr lvl="1"/>
             <a:r>
               <a:rPr lang="en-US" altLang="ko-KR" dirty="0"/>
-              <a:t>Problem:</a:t>
-            </a:r>
-          </a:p>
-          <a:p>
-            <a:pPr lvl="2"/>
+              <a:t>Problems:</a:t>
+            </a:r>
+          </a:p>
+          <a:p>
+            <a:pPr marL="1257300" lvl="2" indent="-342900">
+              <a:buFont typeface="+mj-lt"/>
+              <a:buAutoNum type="arabicPeriod"/>
+            </a:pPr>
             <a:r>
               <a:rPr lang="en-US" altLang="ko-KR" dirty="0"/>
               <a:t>Require too much </a:t>
@@ -1920,14 +1923,20 @@
             </a:r>
           </a:p>
           <a:p>
-            <a:pPr lvl="3"/>
+            <a:pPr marL="1714500" lvl="3" indent="-342900">
+              <a:buFont typeface="+mj-lt"/>
+              <a:buAutoNum type="arabicPeriod"/>
+            </a:pPr>
             <a:r>
               <a:rPr lang="en-US" altLang="ko-KR" dirty="0"/>
               <a:t>Greedy (or malicious) program could monopolize the processor.</a:t>
             </a:r>
           </a:p>
           <a:p>
-            <a:pPr lvl="2"/>
+            <a:pPr marL="1257300" lvl="2" indent="-342900">
+              <a:buFont typeface="+mj-lt"/>
+              <a:buAutoNum type="arabicPeriod"/>
+            </a:pPr>
             <a:r>
               <a:rPr lang="en-US" altLang="ko-KR" dirty="0"/>
               <a:t>Do not work on </a:t>
@@ -1944,7 +1953,10 @@
             </a:r>
           </a:p>
           <a:p>
-            <a:pPr lvl="2"/>
+            <a:pPr marL="1257300" lvl="2" indent="-342900">
+              <a:buFont typeface="+mj-lt"/>
+              <a:buAutoNum type="arabicPeriod"/>
+            </a:pPr>
             <a:r>
               <a:rPr lang="en-US" altLang="ko-KR" dirty="0"/>
               <a:t>Code that masks or unmasks interrupts be executed </a:t>
@@ -5304,7 +5316,7 @@
             </a:r>
             <a:r>
               <a:rPr lang="en-US" altLang="ko-KR" i="1" dirty="0"/>
-              <a:t>forever</a:t>
+              <a:t>forever </a:t>
             </a:r>
             <a:endParaRPr lang="en-US" altLang="ko-KR" dirty="0"/>
           </a:p>
@@ -5332,7 +5344,13 @@
               <a:rPr lang="en-US" altLang="ko-KR" i="1" dirty="0"/>
               <a:t>painful</a:t>
             </a:r>
-            <a:endParaRPr lang="en-US" altLang="ko-KR" dirty="0"/>
+          </a:p>
+          <a:p>
+            <a:pPr lvl="2"/>
+            <a:r>
+              <a:rPr lang="en-US" altLang="ko-KR" dirty="0"/>
+              <a:t>Ex: If thread holding the lock is preempted while in critical section, other threads scheduled will just be running on the ‘spin’ code</a:t>
+            </a:r>
           </a:p>
           <a:p>
             <a:pPr lvl="1"/>
@@ -5343,6 +5361,13 @@
             <a:r>
               <a:rPr lang="en-US" altLang="ko-KR" i="1" dirty="0"/>
               <a:t>reasonably well</a:t>
+            </a:r>
+          </a:p>
+          <a:p>
+            <a:pPr lvl="2"/>
+            <a:r>
+              <a:rPr lang="en-US" altLang="ko-KR" dirty="0"/>
+              <a:t>Ex: If a thread waiting on a lock is on a different CPU than the thread currently holding the lock, then no issues if critical section is short</a:t>
             </a:r>
             <a:endParaRPr lang="ko-KR" altLang="en-US" dirty="0"/>
           </a:p>
@@ -7178,7 +7203,7 @@
             </a:r>
             <a:r>
               <a:rPr lang="en-US" altLang="ko-KR" u="sng" dirty="0"/>
-              <a:t>not updates</a:t>
+              <a:t>not updated</a:t>
             </a:r>
             <a:r>
               <a:rPr lang="en-US" altLang="ko-KR" dirty="0"/>
@@ -9707,7 +9732,7 @@
             <a:pPr lvl="1"/>
             <a:r>
               <a:rPr lang="en-US" altLang="ko-KR" dirty="0"/>
-              <a:t>Ensure progress for all threads </a:t>
+              <a:t>Ensure progress for all threads(unlike in spin locks) </a:t>
             </a:r>
             <a:r>
               <a:rPr lang="en-US" altLang="ko-KR" dirty="0">
@@ -10683,7 +10708,7 @@
             </a:r>
             <a:r>
               <a:rPr lang="en-US" altLang="ko-KR" dirty="0"/>
-              <a:t>doing nothing but checking a value.</a:t>
+              <a:t>doing nothing but checking a value</a:t>
             </a:r>
           </a:p>
           <a:p>
